--- a/Sample.pptx
+++ b/Sample.pptx
@@ -9,7 +9,10 @@
     <p:sldId id="257" r:id="rId3"/>
     <p:sldId id="258" r:id="rId4"/>
     <p:sldId id="259" r:id="rId5"/>
-    <p:sldId id="260" r:id="rId6"/>
+    <p:sldId id="261" r:id="rId6"/>
+    <p:sldId id="260" r:id="rId7"/>
+    <p:sldId id="262" r:id="rId8"/>
+    <p:sldId id="263" r:id="rId9"/>
   </p:sldIdLst>
   <p:sldSz cx="12192000" cy="6858000"/>
   <p:notesSz cx="6858000" cy="9144000"/>
@@ -108,6 +111,11 @@
       </a:defRPr>
     </a:lvl9pPr>
   </p:defaultTextStyle>
+  <p:extLst>
+    <p:ext uri="{EFAFB233-063F-42B5-8137-9DF3F51BA10A}">
+      <p15:sldGuideLst xmlns:p15="http://schemas.microsoft.com/office/powerpoint/2012/main"/>
+    </p:ext>
+  </p:extLst>
 </p:presentation>
 </file>
 
@@ -242,7 +250,7 @@
           <a:p>
             <a:fld id="{2B989391-A9AA-48BC-B9D3-0BAE85D9AD4F}" type="datetimeFigureOut">
               <a:rPr lang="en-US" smtClean="0"/>
-              <a:t>5/4/2020</a:t>
+              <a:t>5/5/2020</a:t>
             </a:fld>
             <a:endParaRPr lang="en-US"/>
           </a:p>
@@ -412,7 +420,7 @@
           <a:p>
             <a:fld id="{2B989391-A9AA-48BC-B9D3-0BAE85D9AD4F}" type="datetimeFigureOut">
               <a:rPr lang="en-US" smtClean="0"/>
-              <a:t>5/4/2020</a:t>
+              <a:t>5/5/2020</a:t>
             </a:fld>
             <a:endParaRPr lang="en-US"/>
           </a:p>
@@ -592,7 +600,7 @@
           <a:p>
             <a:fld id="{2B989391-A9AA-48BC-B9D3-0BAE85D9AD4F}" type="datetimeFigureOut">
               <a:rPr lang="en-US" smtClean="0"/>
-              <a:t>5/4/2020</a:t>
+              <a:t>5/5/2020</a:t>
             </a:fld>
             <a:endParaRPr lang="en-US"/>
           </a:p>
@@ -762,7 +770,7 @@
           <a:p>
             <a:fld id="{2B989391-A9AA-48BC-B9D3-0BAE85D9AD4F}" type="datetimeFigureOut">
               <a:rPr lang="en-US" smtClean="0"/>
-              <a:t>5/4/2020</a:t>
+              <a:t>5/5/2020</a:t>
             </a:fld>
             <a:endParaRPr lang="en-US"/>
           </a:p>
@@ -1008,7 +1016,7 @@
           <a:p>
             <a:fld id="{2B989391-A9AA-48BC-B9D3-0BAE85D9AD4F}" type="datetimeFigureOut">
               <a:rPr lang="en-US" smtClean="0"/>
-              <a:t>5/4/2020</a:t>
+              <a:t>5/5/2020</a:t>
             </a:fld>
             <a:endParaRPr lang="en-US"/>
           </a:p>
@@ -1240,7 +1248,7 @@
           <a:p>
             <a:fld id="{2B989391-A9AA-48BC-B9D3-0BAE85D9AD4F}" type="datetimeFigureOut">
               <a:rPr lang="en-US" smtClean="0"/>
-              <a:t>5/4/2020</a:t>
+              <a:t>5/5/2020</a:t>
             </a:fld>
             <a:endParaRPr lang="en-US"/>
           </a:p>
@@ -1607,7 +1615,7 @@
           <a:p>
             <a:fld id="{2B989391-A9AA-48BC-B9D3-0BAE85D9AD4F}" type="datetimeFigureOut">
               <a:rPr lang="en-US" smtClean="0"/>
-              <a:t>5/4/2020</a:t>
+              <a:t>5/5/2020</a:t>
             </a:fld>
             <a:endParaRPr lang="en-US"/>
           </a:p>
@@ -1725,7 +1733,7 @@
           <a:p>
             <a:fld id="{2B989391-A9AA-48BC-B9D3-0BAE85D9AD4F}" type="datetimeFigureOut">
               <a:rPr lang="en-US" smtClean="0"/>
-              <a:t>5/4/2020</a:t>
+              <a:t>5/5/2020</a:t>
             </a:fld>
             <a:endParaRPr lang="en-US"/>
           </a:p>
@@ -1820,7 +1828,7 @@
           <a:p>
             <a:fld id="{2B989391-A9AA-48BC-B9D3-0BAE85D9AD4F}" type="datetimeFigureOut">
               <a:rPr lang="en-US" smtClean="0"/>
-              <a:t>5/4/2020</a:t>
+              <a:t>5/5/2020</a:t>
             </a:fld>
             <a:endParaRPr lang="en-US"/>
           </a:p>
@@ -2097,7 +2105,7 @@
           <a:p>
             <a:fld id="{2B989391-A9AA-48BC-B9D3-0BAE85D9AD4F}" type="datetimeFigureOut">
               <a:rPr lang="en-US" smtClean="0"/>
-              <a:t>5/4/2020</a:t>
+              <a:t>5/5/2020</a:t>
             </a:fld>
             <a:endParaRPr lang="en-US"/>
           </a:p>
@@ -2350,7 +2358,7 @@
           <a:p>
             <a:fld id="{2B989391-A9AA-48BC-B9D3-0BAE85D9AD4F}" type="datetimeFigureOut">
               <a:rPr lang="en-US" smtClean="0"/>
-              <a:t>5/4/2020</a:t>
+              <a:t>5/5/2020</a:t>
             </a:fld>
             <a:endParaRPr lang="en-US"/>
           </a:p>
@@ -2563,7 +2571,7 @@
           <a:p>
             <a:fld id="{2B989391-A9AA-48BC-B9D3-0BAE85D9AD4F}" type="datetimeFigureOut">
               <a:rPr lang="en-US" smtClean="0"/>
-              <a:t>5/4/2020</a:t>
+              <a:t>5/5/2020</a:t>
             </a:fld>
             <a:endParaRPr lang="en-US"/>
           </a:p>
@@ -3260,6 +3268,156 @@
         </p:blipFill>
         <p:spPr>
           <a:xfrm>
+            <a:off x="2856002" y="2200683"/>
+            <a:ext cx="2143125" cy="2143125"/>
+          </a:xfrm>
+          <a:prstGeom prst="rect">
+            <a:avLst/>
+          </a:prstGeom>
+        </p:spPr>
+      </p:pic>
+      <p:pic>
+        <p:nvPicPr>
+          <p:cNvPr id="6" name="Picture 5" descr="File:Simpleicons Interface link-symbol.svg - Wikimedia Commons"/>
+          <p:cNvPicPr>
+            <a:picLocks noChangeAspect="1"/>
+          </p:cNvPicPr>
+          <p:nvPr/>
+        </p:nvPicPr>
+        <p:blipFill>
+          <a:blip r:embed="rId3" cstate="print">
+            <a:extLst>
+              <a:ext uri="{28A0092B-C50C-407E-A947-70E740481C1C}">
+                <a14:useLocalDpi xmlns:a14="http://schemas.microsoft.com/office/drawing/2010/main" val="0"/>
+              </a:ext>
+            </a:extLst>
+          </a:blip>
+          <a:stretch>
+            <a:fillRect/>
+          </a:stretch>
+        </p:blipFill>
+        <p:spPr>
+          <a:xfrm>
+            <a:off x="6740434" y="2597332"/>
+            <a:ext cx="1599110" cy="1599110"/>
+          </a:xfrm>
+          <a:prstGeom prst="rect">
+            <a:avLst/>
+          </a:prstGeom>
+        </p:spPr>
+      </p:pic>
+      <p:pic>
+        <p:nvPicPr>
+          <p:cNvPr id="11" name="Picture 10"/>
+          <p:cNvPicPr>
+            <a:picLocks noChangeAspect="1"/>
+          </p:cNvPicPr>
+          <p:nvPr/>
+        </p:nvPicPr>
+        <p:blipFill>
+          <a:blip r:embed="rId4" cstate="print">
+            <a:extLst>
+              <a:ext uri="{28A0092B-C50C-407E-A947-70E740481C1C}">
+                <a14:useLocalDpi xmlns:a14="http://schemas.microsoft.com/office/drawing/2010/main" val="0"/>
+              </a:ext>
+            </a:extLst>
+          </a:blip>
+          <a:stretch>
+            <a:fillRect/>
+          </a:stretch>
+        </p:blipFill>
+        <p:spPr>
+          <a:xfrm>
+            <a:off x="1985554" y="637903"/>
+            <a:ext cx="1008017" cy="1008017"/>
+          </a:xfrm>
+          <a:prstGeom prst="rect">
+            <a:avLst/>
+          </a:prstGeom>
+        </p:spPr>
+      </p:pic>
+      <p:pic>
+        <p:nvPicPr>
+          <p:cNvPr id="12" name="Picture 11" descr="Dropdown in table header - User Experience Stack Exchange"/>
+          <p:cNvPicPr>
+            <a:picLocks noChangeAspect="1"/>
+          </p:cNvPicPr>
+          <p:nvPr/>
+        </p:nvPicPr>
+        <p:blipFill>
+          <a:blip r:embed="rId5" cstate="print">
+            <a:extLst>
+              <a:ext uri="{28A0092B-C50C-407E-A947-70E740481C1C}">
+                <a14:useLocalDpi xmlns:a14="http://schemas.microsoft.com/office/drawing/2010/main" val="0"/>
+              </a:ext>
+            </a:extLst>
+          </a:blip>
+          <a:stretch>
+            <a:fillRect/>
+          </a:stretch>
+        </p:blipFill>
+        <p:spPr>
+          <a:xfrm>
+            <a:off x="5381897" y="637903"/>
+            <a:ext cx="809897" cy="809897"/>
+          </a:xfrm>
+          <a:prstGeom prst="rect">
+            <a:avLst/>
+          </a:prstGeom>
+        </p:spPr>
+      </p:pic>
+    </p:spTree>
+    <p:extLst>
+      <p:ext uri="{BB962C8B-B14F-4D97-AF65-F5344CB8AC3E}">
+        <p14:creationId xmlns:p14="http://schemas.microsoft.com/office/powerpoint/2010/main" val="3213740211"/>
+      </p:ext>
+    </p:extLst>
+  </p:cSld>
+  <p:clrMapOvr>
+    <a:masterClrMapping/>
+  </p:clrMapOvr>
+</p:sld>
+</file>
+
+<file path=ppt/slides/slide6.xml><?xml version="1.0" encoding="utf-8"?>
+<p:sld xmlns:a="http://schemas.openxmlformats.org/drawingml/2006/main" xmlns:r="http://schemas.openxmlformats.org/officeDocument/2006/relationships" xmlns:p="http://schemas.openxmlformats.org/presentationml/2006/main">
+  <p:cSld>
+    <p:spTree>
+      <p:nvGrpSpPr>
+        <p:cNvPr id="1" name=""/>
+        <p:cNvGrpSpPr/>
+        <p:nvPr/>
+      </p:nvGrpSpPr>
+      <p:grpSpPr>
+        <a:xfrm>
+          <a:off x="0" y="0"/>
+          <a:ext cx="0" cy="0"/>
+          <a:chOff x="0" y="0"/>
+          <a:chExt cx="0" cy="0"/>
+        </a:xfrm>
+      </p:grpSpPr>
+      <p:pic>
+        <p:nvPicPr>
+          <p:cNvPr id="4" name="Picture 3"/>
+          <p:cNvPicPr>
+            <a:picLocks noChangeAspect="1"/>
+          </p:cNvPicPr>
+          <p:nvPr/>
+        </p:nvPicPr>
+        <p:blipFill>
+          <a:blip r:embed="rId2">
+            <a:extLst>
+              <a:ext uri="{28A0092B-C50C-407E-A947-70E740481C1C}">
+                <a14:useLocalDpi xmlns:a14="http://schemas.microsoft.com/office/drawing/2010/main" val="0"/>
+              </a:ext>
+            </a:extLst>
+          </a:blip>
+          <a:stretch>
+            <a:fillRect/>
+          </a:stretch>
+        </p:blipFill>
+        <p:spPr>
+          <a:xfrm>
             <a:off x="1094728" y="300446"/>
             <a:ext cx="10002543" cy="6139543"/>
           </a:xfrm>
@@ -3272,6 +3430,152 @@
     <p:extLst>
       <p:ext uri="{BB962C8B-B14F-4D97-AF65-F5344CB8AC3E}">
         <p14:creationId xmlns:p14="http://schemas.microsoft.com/office/powerpoint/2010/main" val="919620564"/>
+      </p:ext>
+    </p:extLst>
+  </p:cSld>
+  <p:clrMapOvr>
+    <a:masterClrMapping/>
+  </p:clrMapOvr>
+</p:sld>
+</file>
+
+<file path=ppt/slides/slide7.xml><?xml version="1.0" encoding="utf-8"?>
+<p:sld xmlns:a="http://schemas.openxmlformats.org/drawingml/2006/main" xmlns:r="http://schemas.openxmlformats.org/officeDocument/2006/relationships" xmlns:p="http://schemas.openxmlformats.org/presentationml/2006/main">
+  <p:cSld>
+    <p:spTree>
+      <p:nvGrpSpPr>
+        <p:cNvPr id="1" name=""/>
+        <p:cNvGrpSpPr/>
+        <p:nvPr/>
+      </p:nvGrpSpPr>
+      <p:grpSpPr>
+        <a:xfrm>
+          <a:off x="0" y="0"/>
+          <a:ext cx="0" cy="0"/>
+          <a:chOff x="0" y="0"/>
+          <a:chExt cx="0" cy="0"/>
+        </a:xfrm>
+      </p:grpSpPr>
+      <p:sp>
+        <p:nvSpPr>
+          <p:cNvPr id="2" name="Title 1"/>
+          <p:cNvSpPr>
+            <a:spLocks noGrp="1"/>
+          </p:cNvSpPr>
+          <p:nvPr>
+            <p:ph type="title"/>
+          </p:nvPr>
+        </p:nvSpPr>
+        <p:spPr/>
+        <p:txBody>
+          <a:bodyPr/>
+          <a:lstStyle/>
+          <a:p>
+            <a:endParaRPr lang="en-US"/>
+          </a:p>
+        </p:txBody>
+      </p:sp>
+      <p:pic>
+        <p:nvPicPr>
+          <p:cNvPr id="4" name="Content Placeholder 3"/>
+          <p:cNvPicPr>
+            <a:picLocks noGrp="1" noChangeAspect="1"/>
+          </p:cNvPicPr>
+          <p:nvPr>
+            <p:ph idx="1"/>
+          </p:nvPr>
+        </p:nvPicPr>
+        <p:blipFill>
+          <a:blip r:embed="rId2">
+            <a:extLst>
+              <a:ext uri="{28A0092B-C50C-407E-A947-70E740481C1C}">
+                <a14:useLocalDpi xmlns:a14="http://schemas.microsoft.com/office/drawing/2010/main" val="0"/>
+              </a:ext>
+            </a:extLst>
+          </a:blip>
+          <a:stretch>
+            <a:fillRect/>
+          </a:stretch>
+        </p:blipFill>
+        <p:spPr>
+          <a:xfrm>
+            <a:off x="1442162" y="1825625"/>
+            <a:ext cx="9307675" cy="4351338"/>
+          </a:xfrm>
+        </p:spPr>
+      </p:pic>
+    </p:spTree>
+    <p:extLst>
+      <p:ext uri="{BB962C8B-B14F-4D97-AF65-F5344CB8AC3E}">
+        <p14:creationId xmlns:p14="http://schemas.microsoft.com/office/powerpoint/2010/main" val="3867624130"/>
+      </p:ext>
+    </p:extLst>
+  </p:cSld>
+  <p:clrMapOvr>
+    <a:masterClrMapping/>
+  </p:clrMapOvr>
+</p:sld>
+</file>
+
+<file path=ppt/slides/slide8.xml><?xml version="1.0" encoding="utf-8"?>
+<p:sld xmlns:a="http://schemas.openxmlformats.org/drawingml/2006/main" xmlns:r="http://schemas.openxmlformats.org/officeDocument/2006/relationships" xmlns:p="http://schemas.openxmlformats.org/presentationml/2006/main">
+  <p:cSld>
+    <p:spTree>
+      <p:nvGrpSpPr>
+        <p:cNvPr id="1" name=""/>
+        <p:cNvGrpSpPr/>
+        <p:nvPr/>
+      </p:nvGrpSpPr>
+      <p:grpSpPr>
+        <a:xfrm>
+          <a:off x="0" y="0"/>
+          <a:ext cx="0" cy="0"/>
+          <a:chOff x="0" y="0"/>
+          <a:chExt cx="0" cy="0"/>
+        </a:xfrm>
+      </p:grpSpPr>
+      <p:sp>
+        <p:nvSpPr>
+          <p:cNvPr id="2" name="Title 1"/>
+          <p:cNvSpPr>
+            <a:spLocks noGrp="1"/>
+          </p:cNvSpPr>
+          <p:nvPr>
+            <p:ph type="title"/>
+          </p:nvPr>
+        </p:nvSpPr>
+        <p:spPr/>
+        <p:txBody>
+          <a:bodyPr/>
+          <a:lstStyle/>
+          <a:p>
+            <a:endParaRPr lang="en-US"/>
+          </a:p>
+        </p:txBody>
+      </p:sp>
+      <p:sp>
+        <p:nvSpPr>
+          <p:cNvPr id="3" name="Content Placeholder 2"/>
+          <p:cNvSpPr>
+            <a:spLocks noGrp="1"/>
+          </p:cNvSpPr>
+          <p:nvPr>
+            <p:ph idx="1"/>
+          </p:nvPr>
+        </p:nvSpPr>
+        <p:spPr/>
+        <p:txBody>
+          <a:bodyPr/>
+          <a:lstStyle/>
+          <a:p>
+            <a:endParaRPr lang="en-US"/>
+          </a:p>
+        </p:txBody>
+      </p:sp>
+    </p:spTree>
+    <p:extLst>
+      <p:ext uri="{BB962C8B-B14F-4D97-AF65-F5344CB8AC3E}">
+        <p14:creationId xmlns:p14="http://schemas.microsoft.com/office/powerpoint/2010/main" val="3920550268"/>
       </p:ext>
     </p:extLst>
   </p:cSld>
